--- a/Machine Learning in Power BI - June 20.pptx
+++ b/Machine Learning in Power BI - June 20.pptx
@@ -4697,6 +4697,152 @@
           </a:p>
         </p:txBody>
       </p:sp>
+      <p:sp>
+        <p:nvSpPr>
+          <p:cNvPr id="2" name="Rectangle 1">
+            <a:extLst>
+              <a:ext uri="{FF2B5EF4-FFF2-40B4-BE49-F238E27FC236}">
+                <a16:creationId xmlns:a16="http://schemas.microsoft.com/office/drawing/2014/main" id="{27A6582E-3A70-49DE-B5C4-224326EDAE89}"/>
+              </a:ext>
+            </a:extLst>
+          </p:cNvPr>
+          <p:cNvSpPr/>
+          <p:nvPr/>
+        </p:nvSpPr>
+        <p:spPr>
+          <a:xfrm>
+            <a:off x="326474" y="6325336"/>
+            <a:ext cx="3655681" cy="369332"/>
+          </a:xfrm>
+          <a:prstGeom prst="rect">
+            <a:avLst/>
+          </a:prstGeom>
+        </p:spPr>
+        <p:txBody>
+          <a:bodyPr wrap="none">
+            <a:spAutoFit/>
+          </a:bodyPr>
+          <a:lstStyle/>
+          <a:p>
+            <a:r>
+              <a:rPr lang="en-CA" dirty="0">
+                <a:hlinkClick r:id="rId4"/>
+              </a:rPr>
+              <a:t>https://medium.com/@moez_62905</a:t>
+            </a:r>
+            <a:endParaRPr lang="en-CA" dirty="0"/>
+          </a:p>
+        </p:txBody>
+      </p:sp>
+      <p:sp>
+        <p:nvSpPr>
+          <p:cNvPr id="4" name="TextBox 3">
+            <a:extLst>
+              <a:ext uri="{FF2B5EF4-FFF2-40B4-BE49-F238E27FC236}">
+                <a16:creationId xmlns:a16="http://schemas.microsoft.com/office/drawing/2014/main" id="{3916D5EC-CFD6-4510-AC80-30DE607F3139}"/>
+              </a:ext>
+            </a:extLst>
+          </p:cNvPr>
+          <p:cNvSpPr txBox="1"/>
+          <p:nvPr/>
+        </p:nvSpPr>
+        <p:spPr>
+          <a:xfrm>
+            <a:off x="228820" y="4706592"/>
+            <a:ext cx="1821922" cy="369332"/>
+          </a:xfrm>
+          <a:prstGeom prst="rect">
+            <a:avLst/>
+          </a:prstGeom>
+          <a:noFill/>
+        </p:spPr>
+        <p:txBody>
+          <a:bodyPr wrap="square" rtlCol="0">
+            <a:spAutoFit/>
+          </a:bodyPr>
+          <a:lstStyle/>
+          <a:p>
+            <a:r>
+              <a:rPr lang="en-CA" b="1" dirty="0"/>
+              <a:t>@Follow me</a:t>
+            </a:r>
+          </a:p>
+        </p:txBody>
+      </p:sp>
+      <p:sp>
+        <p:nvSpPr>
+          <p:cNvPr id="8" name="Rectangle 7">
+            <a:extLst>
+              <a:ext uri="{FF2B5EF4-FFF2-40B4-BE49-F238E27FC236}">
+                <a16:creationId xmlns:a16="http://schemas.microsoft.com/office/drawing/2014/main" id="{CF7DE187-7F77-48BE-BA27-A300B221CC66}"/>
+              </a:ext>
+            </a:extLst>
+          </p:cNvPr>
+          <p:cNvSpPr/>
+          <p:nvPr/>
+        </p:nvSpPr>
+        <p:spPr>
+          <a:xfrm>
+            <a:off x="326474" y="5210375"/>
+            <a:ext cx="4733796" cy="400110"/>
+          </a:xfrm>
+          <a:prstGeom prst="rect">
+            <a:avLst/>
+          </a:prstGeom>
+        </p:spPr>
+        <p:txBody>
+          <a:bodyPr wrap="none">
+            <a:spAutoFit/>
+          </a:bodyPr>
+          <a:lstStyle/>
+          <a:p>
+            <a:r>
+              <a:rPr lang="en-CA" sz="2000" dirty="0">
+                <a:hlinkClick r:id="rId5"/>
+              </a:rPr>
+              <a:t>https://www.linkedin.com/in/profile-moez/</a:t>
+            </a:r>
+            <a:endParaRPr lang="en-CA" sz="2000" dirty="0"/>
+          </a:p>
+        </p:txBody>
+      </p:sp>
+      <p:sp>
+        <p:nvSpPr>
+          <p:cNvPr id="9" name="Rectangle 8">
+            <a:extLst>
+              <a:ext uri="{FF2B5EF4-FFF2-40B4-BE49-F238E27FC236}">
+                <a16:creationId xmlns:a16="http://schemas.microsoft.com/office/drawing/2014/main" id="{114330F6-0FAB-47F9-A21B-6B3C3D586EA0}"/>
+              </a:ext>
+            </a:extLst>
+          </p:cNvPr>
+          <p:cNvSpPr/>
+          <p:nvPr/>
+        </p:nvSpPr>
+        <p:spPr>
+          <a:xfrm>
+            <a:off x="326474" y="5761895"/>
+            <a:ext cx="4096955" cy="400110"/>
+          </a:xfrm>
+          <a:prstGeom prst="rect">
+            <a:avLst/>
+          </a:prstGeom>
+        </p:spPr>
+        <p:txBody>
+          <a:bodyPr wrap="none">
+            <a:spAutoFit/>
+          </a:bodyPr>
+          <a:lstStyle/>
+          <a:p>
+            <a:r>
+              <a:rPr lang="en-CA" sz="2000" dirty="0">
+                <a:hlinkClick r:id="rId6"/>
+              </a:rPr>
+              <a:t>https://twitter.com/moezpycaretorg1</a:t>
+            </a:r>
+            <a:endParaRPr lang="en-CA" sz="2000" dirty="0"/>
+          </a:p>
+        </p:txBody>
+      </p:sp>
     </p:spTree>
   </p:cSld>
   <p:clrMapOvr>
@@ -7618,7 +7764,7 @@
           <a:p>
             <a:r>
               <a:rPr lang="en-CA" b="1" dirty="0"/>
-              <a:t>Thank you</a:t>
+              <a:t>Thank you – Questions?</a:t>
             </a:r>
           </a:p>
         </p:txBody>
